--- a/presentation/Terraform 101.pptx
+++ b/presentation/Terraform 101.pptx
@@ -5,7 +5,7 @@
     <p:sldMasterId id="2147483660" r:id="rId1"/>
   </p:sldMasterIdLst>
   <p:notesMasterIdLst>
-    <p:notesMasterId r:id="rId14"/>
+    <p:notesMasterId r:id="rId16"/>
   </p:notesMasterIdLst>
   <p:sldIdLst>
     <p:sldId id="256" r:id="rId2"/>
@@ -13,13 +13,15 @@
     <p:sldId id="258" r:id="rId4"/>
     <p:sldId id="260" r:id="rId5"/>
     <p:sldId id="259" r:id="rId6"/>
-    <p:sldId id="262" r:id="rId7"/>
-    <p:sldId id="281" r:id="rId8"/>
-    <p:sldId id="282" r:id="rId9"/>
-    <p:sldId id="261" r:id="rId10"/>
-    <p:sldId id="279" r:id="rId11"/>
-    <p:sldId id="276" r:id="rId12"/>
-    <p:sldId id="277" r:id="rId13"/>
+    <p:sldId id="283" r:id="rId7"/>
+    <p:sldId id="262" r:id="rId8"/>
+    <p:sldId id="281" r:id="rId9"/>
+    <p:sldId id="282" r:id="rId10"/>
+    <p:sldId id="261" r:id="rId11"/>
+    <p:sldId id="279" r:id="rId12"/>
+    <p:sldId id="284" r:id="rId13"/>
+    <p:sldId id="276" r:id="rId14"/>
+    <p:sldId id="277" r:id="rId15"/>
   </p:sldIdLst>
   <p:sldSz cx="12192000" cy="6858000"/>
   <p:notesSz cx="6858000" cy="9144000"/>
@@ -935,7 +937,7 @@
 <dgm:dataModel xmlns:dgm="http://schemas.openxmlformats.org/drawingml/2006/diagram" xmlns:a="http://schemas.openxmlformats.org/drawingml/2006/main">
   <dgm:ptLst>
     <dgm:pt modelId="{76606998-A132-4D02-A282-E8586FF8304F}" type="doc">
-      <dgm:prSet loTypeId="urn:microsoft.com/office/officeart/2008/layout/LinedList" loCatId="list" qsTypeId="urn:microsoft.com/office/officeart/2005/8/quickstyle/simple1" qsCatId="simple" csTypeId="urn:microsoft.com/office/officeart/2005/8/colors/accent1_2" csCatId="accent1"/>
+      <dgm:prSet loTypeId="urn:microsoft.com/office/officeart/2008/layout/LinedList" loCatId="list" qsTypeId="urn:microsoft.com/office/officeart/2005/8/quickstyle/simple1" qsCatId="simple" csTypeId="urn:microsoft.com/office/officeart/2005/8/colors/accent1_2" csCatId="accent1" phldr="1"/>
       <dgm:spPr/>
       <dgm:t>
         <a:bodyPr/>
@@ -1248,11 +1250,7 @@
         <a:bodyPr/>
         <a:lstStyle/>
         <a:p>
-          <a:r>
-            <a:rPr lang="en-GB"/>
-            <a:t>Resource Copy</a:t>
-          </a:r>
-          <a:endParaRPr lang="en-US"/>
+          <a:endParaRPr lang="en-US" dirty="0"/>
         </a:p>
       </dgm:t>
     </dgm:pt>
@@ -2495,11 +2493,7 @@
             </a:spcAft>
             <a:buNone/>
           </a:pPr>
-          <a:r>
-            <a:rPr lang="en-GB" sz="2200" kern="1200"/>
-            <a:t>Resource Copy</a:t>
-          </a:r>
-          <a:endParaRPr lang="en-US" sz="2200" kern="1200"/>
+          <a:endParaRPr lang="en-US" sz="2200" kern="1200" dirty="0"/>
         </a:p>
       </dsp:txBody>
       <dsp:txXfrm>
@@ -4093,7 +4087,7 @@
           <a:p>
             <a:fld id="{EF599B3F-15E9-4C16-9A0F-994EB0541B7C}" type="datetimeFigureOut">
               <a:rPr lang="en-GB" smtClean="0"/>
-              <a:t>16/11/2020</a:t>
+              <a:t>30/11/2020</a:t>
             </a:fld>
             <a:endParaRPr lang="en-GB"/>
           </a:p>
@@ -4405,7 +4399,10 @@
           <a:bodyPr/>
           <a:lstStyle/>
           <a:p>
-            <a:endParaRPr lang="en-GB" dirty="0"/>
+            <a:r>
+              <a:rPr lang="en-GB" dirty="0"/>
+              <a:t>Intro me,</a:t>
+            </a:r>
           </a:p>
         </p:txBody>
       </p:sp>
@@ -5045,7 +5042,7 @@
           <a:p>
             <a:fld id="{A5A2542A-A182-402F-9A57-B2B2E324524A}" type="slidenum">
               <a:rPr lang="en-GB" smtClean="0"/>
-              <a:t>6</a:t>
+              <a:t>7</a:t>
             </a:fld>
             <a:endParaRPr lang="en-GB"/>
           </a:p>
@@ -5129,7 +5126,7 @@
           <a:p>
             <a:fld id="{A5A2542A-A182-402F-9A57-B2B2E324524A}" type="slidenum">
               <a:rPr lang="en-GB" smtClean="0"/>
-              <a:t>8</a:t>
+              <a:t>9</a:t>
             </a:fld>
             <a:endParaRPr lang="en-GB"/>
           </a:p>
@@ -5213,7 +5210,7 @@
           <a:p>
             <a:fld id="{A5A2542A-A182-402F-9A57-B2B2E324524A}" type="slidenum">
               <a:rPr lang="en-GB" smtClean="0"/>
-              <a:t>12</a:t>
+              <a:t>14</a:t>
             </a:fld>
             <a:endParaRPr lang="en-GB"/>
           </a:p>
@@ -5363,7 +5360,7 @@
           <a:p>
             <a:fld id="{386E4B22-0890-4B1E-AF62-664A18734CAE}" type="datetimeFigureOut">
               <a:rPr lang="en-GB" smtClean="0"/>
-              <a:t>16/11/2020</a:t>
+              <a:t>30/11/2020</a:t>
             </a:fld>
             <a:endParaRPr lang="en-GB"/>
           </a:p>
@@ -5533,7 +5530,7 @@
           <a:p>
             <a:fld id="{386E4B22-0890-4B1E-AF62-664A18734CAE}" type="datetimeFigureOut">
               <a:rPr lang="en-GB" smtClean="0"/>
-              <a:t>16/11/2020</a:t>
+              <a:t>30/11/2020</a:t>
             </a:fld>
             <a:endParaRPr lang="en-GB"/>
           </a:p>
@@ -5713,7 +5710,7 @@
           <a:p>
             <a:fld id="{386E4B22-0890-4B1E-AF62-664A18734CAE}" type="datetimeFigureOut">
               <a:rPr lang="en-GB" smtClean="0"/>
-              <a:t>16/11/2020</a:t>
+              <a:t>30/11/2020</a:t>
             </a:fld>
             <a:endParaRPr lang="en-GB"/>
           </a:p>
@@ -5883,7 +5880,7 @@
           <a:p>
             <a:fld id="{386E4B22-0890-4B1E-AF62-664A18734CAE}" type="datetimeFigureOut">
               <a:rPr lang="en-GB" smtClean="0"/>
-              <a:t>16/11/2020</a:t>
+              <a:t>30/11/2020</a:t>
             </a:fld>
             <a:endParaRPr lang="en-GB"/>
           </a:p>
@@ -6129,7 +6126,7 @@
           <a:p>
             <a:fld id="{386E4B22-0890-4B1E-AF62-664A18734CAE}" type="datetimeFigureOut">
               <a:rPr lang="en-GB" smtClean="0"/>
-              <a:t>16/11/2020</a:t>
+              <a:t>30/11/2020</a:t>
             </a:fld>
             <a:endParaRPr lang="en-GB"/>
           </a:p>
@@ -6361,7 +6358,7 @@
           <a:p>
             <a:fld id="{386E4B22-0890-4B1E-AF62-664A18734CAE}" type="datetimeFigureOut">
               <a:rPr lang="en-GB" smtClean="0"/>
-              <a:t>16/11/2020</a:t>
+              <a:t>30/11/2020</a:t>
             </a:fld>
             <a:endParaRPr lang="en-GB"/>
           </a:p>
@@ -6728,7 +6725,7 @@
           <a:p>
             <a:fld id="{386E4B22-0890-4B1E-AF62-664A18734CAE}" type="datetimeFigureOut">
               <a:rPr lang="en-GB" smtClean="0"/>
-              <a:t>16/11/2020</a:t>
+              <a:t>30/11/2020</a:t>
             </a:fld>
             <a:endParaRPr lang="en-GB"/>
           </a:p>
@@ -6846,7 +6843,7 @@
           <a:p>
             <a:fld id="{386E4B22-0890-4B1E-AF62-664A18734CAE}" type="datetimeFigureOut">
               <a:rPr lang="en-GB" smtClean="0"/>
-              <a:t>16/11/2020</a:t>
+              <a:t>30/11/2020</a:t>
             </a:fld>
             <a:endParaRPr lang="en-GB"/>
           </a:p>
@@ -6941,7 +6938,7 @@
           <a:p>
             <a:fld id="{386E4B22-0890-4B1E-AF62-664A18734CAE}" type="datetimeFigureOut">
               <a:rPr lang="en-GB" smtClean="0"/>
-              <a:t>16/11/2020</a:t>
+              <a:t>30/11/2020</a:t>
             </a:fld>
             <a:endParaRPr lang="en-GB"/>
           </a:p>
@@ -7218,7 +7215,7 @@
           <a:p>
             <a:fld id="{386E4B22-0890-4B1E-AF62-664A18734CAE}" type="datetimeFigureOut">
               <a:rPr lang="en-GB" smtClean="0"/>
-              <a:t>16/11/2020</a:t>
+              <a:t>30/11/2020</a:t>
             </a:fld>
             <a:endParaRPr lang="en-GB"/>
           </a:p>
@@ -7475,7 +7472,7 @@
           <a:p>
             <a:fld id="{386E4B22-0890-4B1E-AF62-664A18734CAE}" type="datetimeFigureOut">
               <a:rPr lang="en-GB" smtClean="0"/>
-              <a:t>16/11/2020</a:t>
+              <a:t>30/11/2020</a:t>
             </a:fld>
             <a:endParaRPr lang="en-GB"/>
           </a:p>
@@ -7688,7 +7685,7 @@
           <a:p>
             <a:fld id="{386E4B22-0890-4B1E-AF62-664A18734CAE}" type="datetimeFigureOut">
               <a:rPr lang="en-GB" smtClean="0"/>
-              <a:t>16/11/2020</a:t>
+              <a:t>30/11/2020</a:t>
             </a:fld>
             <a:endParaRPr lang="en-GB"/>
           </a:p>
@@ -8628,6 +8625,413 @@
       </p:grpSpPr>
       <p:sp useBgFill="1">
         <p:nvSpPr>
+          <p:cNvPr id="71" name="Rectangle 70">
+            <a:extLst>
+              <a:ext uri="{FF2B5EF4-FFF2-40B4-BE49-F238E27FC236}">
+                <a16:creationId xmlns:a16="http://schemas.microsoft.com/office/drawing/2014/main" id="{F94AA2BD-2E3F-4B1D-8127-5744B8115311}"/>
+              </a:ext>
+              <a:ext uri="{C183D7F6-B498-43B3-948B-1728B52AA6E4}">
+                <adec:decorative xmlns:adec="http://schemas.microsoft.com/office/drawing/2017/decorative" val="1"/>
+              </a:ext>
+            </a:extLst>
+          </p:cNvPr>
+          <p:cNvSpPr>
+            <a:spLocks noGrp="1" noRot="1" noChangeAspect="1" noMove="1" noResize="1" noEditPoints="1" noAdjustHandles="1" noChangeArrowheads="1" noChangeShapeType="1" noTextEdit="1"/>
+          </p:cNvSpPr>
+          <p:nvPr>
+            <p:extLst>
+              <p:ext uri="{386F3935-93C4-4BCD-93E2-E3B085C9AB24}">
+                <p16:designElem xmlns:p16="http://schemas.microsoft.com/office/powerpoint/2015/main" val="1"/>
+              </p:ext>
+            </p:extLst>
+          </p:nvPr>
+        </p:nvSpPr>
+        <p:spPr>
+          <a:xfrm>
+            <a:off x="0" y="0"/>
+            <a:ext cx="12192000" cy="6858000"/>
+          </a:xfrm>
+          <a:prstGeom prst="rect">
+            <a:avLst/>
+          </a:prstGeom>
+          <a:ln>
+            <a:noFill/>
+          </a:ln>
+        </p:spPr>
+        <p:style>
+          <a:lnRef idx="2">
+            <a:schemeClr val="accent1">
+              <a:shade val="50000"/>
+            </a:schemeClr>
+          </a:lnRef>
+          <a:fillRef idx="1">
+            <a:schemeClr val="accent1"/>
+          </a:fillRef>
+          <a:effectRef idx="0">
+            <a:schemeClr val="accent1"/>
+          </a:effectRef>
+          <a:fontRef idx="minor">
+            <a:schemeClr val="lt1"/>
+          </a:fontRef>
+        </p:style>
+        <p:txBody>
+          <a:bodyPr rtlCol="0" anchor="ctr"/>
+          <a:lstStyle/>
+          <a:p>
+            <a:pPr algn="ctr"/>
+            <a:endParaRPr lang="en-US"/>
+          </a:p>
+        </p:txBody>
+      </p:sp>
+      <p:sp>
+        <p:nvSpPr>
+          <p:cNvPr id="2" name="Title 1">
+            <a:extLst>
+              <a:ext uri="{FF2B5EF4-FFF2-40B4-BE49-F238E27FC236}">
+                <a16:creationId xmlns:a16="http://schemas.microsoft.com/office/drawing/2014/main" id="{F4F08EA4-C4A2-4E72-B3CF-2C879A80C4CA}"/>
+              </a:ext>
+            </a:extLst>
+          </p:cNvPr>
+          <p:cNvSpPr>
+            <a:spLocks noGrp="1"/>
+          </p:cNvSpPr>
+          <p:nvPr>
+            <p:ph type="title"/>
+          </p:nvPr>
+        </p:nvSpPr>
+        <p:spPr>
+          <a:xfrm>
+            <a:off x="411480" y="987552"/>
+            <a:ext cx="4485861" cy="1088136"/>
+          </a:xfrm>
+        </p:spPr>
+        <p:txBody>
+          <a:bodyPr anchor="b">
+            <a:normAutofit/>
+          </a:bodyPr>
+          <a:lstStyle/>
+          <a:p>
+            <a:r>
+              <a:rPr lang="en-GB" sz="3400"/>
+              <a:t>Bicep (Preview)</a:t>
+            </a:r>
+          </a:p>
+        </p:txBody>
+      </p:sp>
+      <p:sp>
+        <p:nvSpPr>
+          <p:cNvPr id="73" name="Rectangle 72">
+            <a:extLst>
+              <a:ext uri="{FF2B5EF4-FFF2-40B4-BE49-F238E27FC236}">
+                <a16:creationId xmlns:a16="http://schemas.microsoft.com/office/drawing/2014/main" id="{4BD02261-2DC8-4AA8-9E16-7751AE892445}"/>
+              </a:ext>
+              <a:ext uri="{C183D7F6-B498-43B3-948B-1728B52AA6E4}">
+                <adec:decorative xmlns:adec="http://schemas.microsoft.com/office/drawing/2017/decorative" val="1"/>
+              </a:ext>
+            </a:extLst>
+          </p:cNvPr>
+          <p:cNvSpPr>
+            <a:spLocks noGrp="1" noRot="1" noChangeAspect="1" noMove="1" noResize="1" noEditPoints="1" noAdjustHandles="1" noChangeArrowheads="1" noChangeShapeType="1" noTextEdit="1"/>
+          </p:cNvSpPr>
+          <p:nvPr>
+            <p:extLst>
+              <p:ext uri="{386F3935-93C4-4BCD-93E2-E3B085C9AB24}">
+                <p16:designElem xmlns:p16="http://schemas.microsoft.com/office/powerpoint/2015/main" val="1"/>
+              </p:ext>
+            </p:extLst>
+          </p:nvPr>
+        </p:nvSpPr>
+        <p:spPr>
+          <a:xfrm rot="5400000">
+            <a:off x="649223" y="387939"/>
+            <a:ext cx="73152" cy="548640"/>
+          </a:xfrm>
+          <a:prstGeom prst="rect">
+            <a:avLst/>
+          </a:prstGeom>
+          <a:solidFill>
+            <a:schemeClr val="accent2"/>
+          </a:solidFill>
+          <a:ln>
+            <a:noFill/>
+          </a:ln>
+        </p:spPr>
+        <p:style>
+          <a:lnRef idx="2">
+            <a:schemeClr val="accent1">
+              <a:shade val="50000"/>
+            </a:schemeClr>
+          </a:lnRef>
+          <a:fillRef idx="1">
+            <a:schemeClr val="accent1"/>
+          </a:fillRef>
+          <a:effectRef idx="0">
+            <a:schemeClr val="accent1"/>
+          </a:effectRef>
+          <a:fontRef idx="minor">
+            <a:schemeClr val="lt1"/>
+          </a:fontRef>
+        </p:style>
+        <p:txBody>
+          <a:bodyPr rtlCol="0" anchor="ctr"/>
+          <a:lstStyle/>
+          <a:p>
+            <a:pPr algn="ctr"/>
+            <a:endParaRPr lang="en-US">
+              <a:solidFill>
+                <a:prstClr val="white"/>
+              </a:solidFill>
+              <a:latin typeface="Calibri" panose="020F0502020204030204"/>
+            </a:endParaRPr>
+          </a:p>
+        </p:txBody>
+      </p:sp>
+      <p:sp>
+        <p:nvSpPr>
+          <p:cNvPr id="75" name="Rectangle 74">
+            <a:extLst>
+              <a:ext uri="{FF2B5EF4-FFF2-40B4-BE49-F238E27FC236}">
+                <a16:creationId xmlns:a16="http://schemas.microsoft.com/office/drawing/2014/main" id="{3D752CF2-2291-40B5-B462-C17B174C10BC}"/>
+              </a:ext>
+              <a:ext uri="{C183D7F6-B498-43B3-948B-1728B52AA6E4}">
+                <adec:decorative xmlns:adec="http://schemas.microsoft.com/office/drawing/2017/decorative" val="1"/>
+              </a:ext>
+            </a:extLst>
+          </p:cNvPr>
+          <p:cNvSpPr>
+            <a:spLocks noGrp="1" noRot="1" noChangeAspect="1" noMove="1" noResize="1" noEditPoints="1" noAdjustHandles="1" noChangeArrowheads="1" noChangeShapeType="1" noTextEdit="1"/>
+          </p:cNvSpPr>
+          <p:nvPr>
+            <p:extLst>
+              <p:ext uri="{386F3935-93C4-4BCD-93E2-E3B085C9AB24}">
+                <p16:designElem xmlns:p16="http://schemas.microsoft.com/office/powerpoint/2015/main" val="1"/>
+              </p:ext>
+            </p:extLst>
+          </p:nvPr>
+        </p:nvSpPr>
+        <p:spPr>
+          <a:xfrm>
+            <a:off x="411480" y="2286000"/>
+            <a:ext cx="4389120" cy="18288"/>
+          </a:xfrm>
+          <a:prstGeom prst="rect">
+            <a:avLst/>
+          </a:prstGeom>
+          <a:solidFill>
+            <a:srgbClr val="D5D5D5"/>
+          </a:solidFill>
+          <a:ln w="3175">
+            <a:noFill/>
+          </a:ln>
+          <a:effectLst/>
+        </p:spPr>
+        <p:style>
+          <a:lnRef idx="2">
+            <a:schemeClr val="accent1">
+              <a:shade val="50000"/>
+            </a:schemeClr>
+          </a:lnRef>
+          <a:fillRef idx="1">
+            <a:schemeClr val="accent1"/>
+          </a:fillRef>
+          <a:effectRef idx="0">
+            <a:schemeClr val="accent1"/>
+          </a:effectRef>
+          <a:fontRef idx="minor">
+            <a:schemeClr val="lt1"/>
+          </a:fontRef>
+        </p:style>
+        <p:txBody>
+          <a:bodyPr rtlCol="0" anchor="ctr"/>
+          <a:lstStyle/>
+          <a:p>
+            <a:pPr algn="ctr"/>
+            <a:endParaRPr lang="en-US">
+              <a:solidFill>
+                <a:prstClr val="white"/>
+              </a:solidFill>
+              <a:latin typeface="Calibri" panose="020F0502020204030204"/>
+            </a:endParaRPr>
+          </a:p>
+        </p:txBody>
+      </p:sp>
+      <p:sp>
+        <p:nvSpPr>
+          <p:cNvPr id="3" name="Content Placeholder 2">
+            <a:extLst>
+              <a:ext uri="{FF2B5EF4-FFF2-40B4-BE49-F238E27FC236}">
+                <a16:creationId xmlns:a16="http://schemas.microsoft.com/office/drawing/2014/main" id="{03512C9D-259D-44FF-BA1A-6D869A5B3248}"/>
+              </a:ext>
+            </a:extLst>
+          </p:cNvPr>
+          <p:cNvSpPr>
+            <a:spLocks noGrp="1"/>
+          </p:cNvSpPr>
+          <p:nvPr>
+            <p:ph idx="1"/>
+          </p:nvPr>
+        </p:nvSpPr>
+        <p:spPr>
+          <a:xfrm>
+            <a:off x="411479" y="2688336"/>
+            <a:ext cx="4498848" cy="3584448"/>
+          </a:xfrm>
+        </p:spPr>
+        <p:txBody>
+          <a:bodyPr anchor="t">
+            <a:normAutofit/>
+          </a:bodyPr>
+          <a:lstStyle/>
+          <a:p>
+            <a:r>
+              <a:rPr lang="en-GB" dirty="0"/>
+              <a:t>“Compile” to ARM template</a:t>
+            </a:r>
+          </a:p>
+          <a:p>
+            <a:r>
+              <a:rPr lang="en-GB" dirty="0"/>
+              <a:t>Dependency Inference </a:t>
+            </a:r>
+          </a:p>
+          <a:p>
+            <a:r>
+              <a:rPr lang="en-GB" dirty="0"/>
+              <a:t>String Interpolation</a:t>
+            </a:r>
+          </a:p>
+          <a:p>
+            <a:endParaRPr lang="en-GB" sz="1800" dirty="0"/>
+          </a:p>
+        </p:txBody>
+      </p:sp>
+      <p:pic>
+        <p:nvPicPr>
+          <p:cNvPr id="2050" name="Picture 2">
+            <a:extLst>
+              <a:ext uri="{FF2B5EF4-FFF2-40B4-BE49-F238E27FC236}">
+                <a16:creationId xmlns:a16="http://schemas.microsoft.com/office/drawing/2014/main" id="{6DEC22DD-5EBC-4D97-B593-9590E60DB09B}"/>
+              </a:ext>
+            </a:extLst>
+          </p:cNvPr>
+          <p:cNvPicPr>
+            <a:picLocks noChangeAspect="1" noChangeArrowheads="1"/>
+          </p:cNvPicPr>
+          <p:nvPr/>
+        </p:nvPicPr>
+        <p:blipFill rotWithShape="1">
+          <a:blip r:embed="rId2">
+            <a:extLst>
+              <a:ext uri="{28A0092B-C50C-407E-A947-70E740481C1C}">
+                <a14:useLocalDpi xmlns:a14="http://schemas.microsoft.com/office/drawing/2010/main" val="0"/>
+              </a:ext>
+            </a:extLst>
+          </a:blip>
+          <a:srcRect t="377" r="-2" b="-2"/>
+          <a:stretch/>
+        </p:blipFill>
+        <p:spPr bwMode="auto">
+          <a:xfrm>
+            <a:off x="7113955" y="1062456"/>
+            <a:ext cx="4485862" cy="4468947"/>
+          </a:xfrm>
+          <a:custGeom>
+            <a:avLst/>
+            <a:gdLst/>
+            <a:ahLst/>
+            <a:cxnLst/>
+            <a:rect l="l" t="t" r="r" b="b"/>
+            <a:pathLst>
+              <a:path w="6883948" h="6858000">
+                <a:moveTo>
+                  <a:pt x="365648" y="0"/>
+                </a:moveTo>
+                <a:lnTo>
+                  <a:pt x="6883948" y="0"/>
+                </a:lnTo>
+                <a:lnTo>
+                  <a:pt x="6883948" y="6858000"/>
+                </a:lnTo>
+                <a:lnTo>
+                  <a:pt x="365648" y="6858000"/>
+                </a:lnTo>
+                <a:lnTo>
+                  <a:pt x="360213" y="6835050"/>
+                </a:lnTo>
+                <a:cubicBezTo>
+                  <a:pt x="128263" y="5788167"/>
+                  <a:pt x="0" y="4637179"/>
+                  <a:pt x="0" y="3429001"/>
+                </a:cubicBezTo>
+                <a:cubicBezTo>
+                  <a:pt x="0" y="2220824"/>
+                  <a:pt x="128263" y="1069835"/>
+                  <a:pt x="360213" y="22952"/>
+                </a:cubicBezTo>
+                <a:close/>
+              </a:path>
+            </a:pathLst>
+          </a:custGeom>
+          <a:noFill/>
+          <a:effectLst>
+            <a:outerShdw blurRad="50800" dist="38100" dir="10800000" algn="r" rotWithShape="0">
+              <a:schemeClr val="bg1">
+                <a:lumMod val="85000"/>
+                <a:alpha val="30000"/>
+              </a:schemeClr>
+            </a:outerShdw>
+          </a:effectLst>
+          <a:extLst>
+            <a:ext uri="{909E8E84-426E-40DD-AFC4-6F175D3DCCD1}">
+              <a14:hiddenFill xmlns:a14="http://schemas.microsoft.com/office/drawing/2010/main">
+                <a:solidFill>
+                  <a:srgbClr val="FFFFFF"/>
+                </a:solidFill>
+              </a14:hiddenFill>
+            </a:ext>
+          </a:extLst>
+        </p:spPr>
+      </p:pic>
+    </p:spTree>
+    <p:extLst>
+      <p:ext uri="{BB962C8B-B14F-4D97-AF65-F5344CB8AC3E}">
+        <p14:creationId xmlns:p14="http://schemas.microsoft.com/office/powerpoint/2010/main" val="3921084054"/>
+      </p:ext>
+    </p:extLst>
+  </p:cSld>
+  <p:clrMapOvr>
+    <a:masterClrMapping/>
+  </p:clrMapOvr>
+</p:sld>
+</file>
+
+<file path=ppt/slides/slide11.xml><?xml version="1.0" encoding="utf-8"?>
+<p:sld xmlns:a="http://schemas.openxmlformats.org/drawingml/2006/main" xmlns:r="http://schemas.openxmlformats.org/officeDocument/2006/relationships" xmlns:p="http://schemas.openxmlformats.org/presentationml/2006/main">
+  <p:cSld>
+    <p:bg>
+      <p:bgPr>
+        <a:solidFill>
+          <a:schemeClr val="bg1"/>
+        </a:solidFill>
+        <a:effectLst/>
+      </p:bgPr>
+    </p:bg>
+    <p:spTree>
+      <p:nvGrpSpPr>
+        <p:cNvPr id="1" name=""/>
+        <p:cNvGrpSpPr/>
+        <p:nvPr/>
+      </p:nvGrpSpPr>
+      <p:grpSpPr>
+        <a:xfrm>
+          <a:off x="0" y="0"/>
+          <a:ext cx="0" cy="0"/>
+          <a:chOff x="0" y="0"/>
+          <a:chExt cx="0" cy="0"/>
+        </a:xfrm>
+      </p:grpSpPr>
+      <p:sp useBgFill="1">
+        <p:nvSpPr>
           <p:cNvPr id="8" name="Rectangle 7">
             <a:extLst>
               <a:ext uri="{FF2B5EF4-FFF2-40B4-BE49-F238E27FC236}">
@@ -9024,7 +9428,132 @@
 </p:sld>
 </file>
 
-<file path=ppt/slides/slide11.xml><?xml version="1.0" encoding="utf-8"?>
+<file path=ppt/slides/slide12.xml><?xml version="1.0" encoding="utf-8"?>
+<p:sld xmlns:a="http://schemas.openxmlformats.org/drawingml/2006/main" xmlns:r="http://schemas.openxmlformats.org/officeDocument/2006/relationships" xmlns:p="http://schemas.openxmlformats.org/presentationml/2006/main">
+  <p:cSld>
+    <p:spTree>
+      <p:nvGrpSpPr>
+        <p:cNvPr id="1" name=""/>
+        <p:cNvGrpSpPr/>
+        <p:nvPr/>
+      </p:nvGrpSpPr>
+      <p:grpSpPr>
+        <a:xfrm>
+          <a:off x="0" y="0"/>
+          <a:ext cx="0" cy="0"/>
+          <a:chOff x="0" y="0"/>
+          <a:chExt cx="0" cy="0"/>
+        </a:xfrm>
+      </p:grpSpPr>
+      <p:sp>
+        <p:nvSpPr>
+          <p:cNvPr id="2" name="Title 1">
+            <a:extLst>
+              <a:ext uri="{FF2B5EF4-FFF2-40B4-BE49-F238E27FC236}">
+                <a16:creationId xmlns:a16="http://schemas.microsoft.com/office/drawing/2014/main" id="{27473DDF-040C-4DE6-8E8F-704D748A7AE7}"/>
+              </a:ext>
+            </a:extLst>
+          </p:cNvPr>
+          <p:cNvSpPr>
+            <a:spLocks noGrp="1"/>
+          </p:cNvSpPr>
+          <p:nvPr>
+            <p:ph type="title"/>
+          </p:nvPr>
+        </p:nvSpPr>
+        <p:spPr/>
+        <p:txBody>
+          <a:bodyPr/>
+          <a:lstStyle/>
+          <a:p>
+            <a:r>
+              <a:rPr lang="en-GB" dirty="0"/>
+              <a:t>Links</a:t>
+            </a:r>
+          </a:p>
+        </p:txBody>
+      </p:sp>
+      <p:sp>
+        <p:nvSpPr>
+          <p:cNvPr id="3" name="Content Placeholder 2">
+            <a:extLst>
+              <a:ext uri="{FF2B5EF4-FFF2-40B4-BE49-F238E27FC236}">
+                <a16:creationId xmlns:a16="http://schemas.microsoft.com/office/drawing/2014/main" id="{041456BC-A773-41C7-8C56-53246E7CD1A1}"/>
+              </a:ext>
+            </a:extLst>
+          </p:cNvPr>
+          <p:cNvSpPr>
+            <a:spLocks noGrp="1"/>
+          </p:cNvSpPr>
+          <p:nvPr>
+            <p:ph idx="1"/>
+          </p:nvPr>
+        </p:nvSpPr>
+        <p:spPr/>
+        <p:txBody>
+          <a:bodyPr/>
+          <a:lstStyle/>
+          <a:p>
+            <a:r>
+              <a:rPr lang="en-GB" dirty="0">
+                <a:hlinkClick r:id="rId2"/>
+              </a:rPr>
+              <a:t>Terraform by </a:t>
+            </a:r>
+            <a:r>
+              <a:rPr lang="en-GB" dirty="0" err="1">
+                <a:hlinkClick r:id="rId2"/>
+              </a:rPr>
+              <a:t>HashiCorp</a:t>
+            </a:r>
+            <a:endParaRPr lang="en-GB" dirty="0"/>
+          </a:p>
+          <a:p>
+            <a:r>
+              <a:rPr lang="en-GB" dirty="0">
+                <a:hlinkClick r:id="rId3"/>
+              </a:rPr>
+              <a:t>terraform-providers/terraform-provider-</a:t>
+            </a:r>
+            <a:r>
+              <a:rPr lang="en-GB" dirty="0" err="1">
+                <a:hlinkClick r:id="rId3"/>
+              </a:rPr>
+              <a:t>azurerm</a:t>
+            </a:r>
+            <a:r>
+              <a:rPr lang="en-GB" dirty="0">
+                <a:hlinkClick r:id="rId3"/>
+              </a:rPr>
+              <a:t>: Terraform provider for Azure Resource Manager (github.com)</a:t>
+            </a:r>
+            <a:endParaRPr lang="en-GB" dirty="0"/>
+          </a:p>
+          <a:p>
+            <a:r>
+              <a:rPr lang="en-GB" dirty="0">
+                <a:hlinkClick r:id="rId4"/>
+              </a:rPr>
+              <a:t>Azure/bicep: Bicep is a declarative language for describing and deploying Azure resources (github.com)</a:t>
+            </a:r>
+            <a:endParaRPr lang="en-GB" dirty="0"/>
+          </a:p>
+        </p:txBody>
+      </p:sp>
+    </p:spTree>
+    <p:extLst>
+      <p:ext uri="{BB962C8B-B14F-4D97-AF65-F5344CB8AC3E}">
+        <p14:creationId xmlns:p14="http://schemas.microsoft.com/office/powerpoint/2010/main" val="1309908980"/>
+      </p:ext>
+    </p:extLst>
+  </p:cSld>
+  <p:clrMapOvr>
+    <a:masterClrMapping/>
+  </p:clrMapOvr>
+</p:sld>
+</file>
+
+<file path=ppt/slides/slide13.xml><?xml version="1.0" encoding="utf-8"?>
 <p:sld xmlns:a="http://schemas.openxmlformats.org/drawingml/2006/main" xmlns:r="http://schemas.openxmlformats.org/officeDocument/2006/relationships" xmlns:p="http://schemas.openxmlformats.org/presentationml/2006/main">
   <p:cSld>
     <p:bg>
@@ -9417,7 +9946,7 @@
 </p:sld>
 </file>
 
-<file path=ppt/slides/slide12.xml><?xml version="1.0" encoding="utf-8"?>
+<file path=ppt/slides/slide14.xml><?xml version="1.0" encoding="utf-8"?>
 <p:sld xmlns:a="http://schemas.openxmlformats.org/drawingml/2006/main" xmlns:r="http://schemas.openxmlformats.org/officeDocument/2006/relationships" xmlns:p="http://schemas.openxmlformats.org/presentationml/2006/main">
   <p:cSld>
     <p:bg>
@@ -11418,35 +11947,6 @@
           </a:p>
         </p:txBody>
       </p:sp>
-      <p:pic>
-        <p:nvPicPr>
-          <p:cNvPr id="4" name="Picture 3">
-            <a:extLst>
-              <a:ext uri="{FF2B5EF4-FFF2-40B4-BE49-F238E27FC236}">
-                <a16:creationId xmlns:a16="http://schemas.microsoft.com/office/drawing/2014/main" id="{4B7840BE-29A8-4E51-81D5-78F27942BA24}"/>
-              </a:ext>
-            </a:extLst>
-          </p:cNvPr>
-          <p:cNvPicPr>
-            <a:picLocks noChangeAspect="1"/>
-          </p:cNvPicPr>
-          <p:nvPr/>
-        </p:nvPicPr>
-        <p:blipFill rotWithShape="1">
-          <a:blip r:embed="rId3"/>
-          <a:srcRect l="3646" r="690" b="3"/>
-          <a:stretch/>
-        </p:blipFill>
-        <p:spPr>
-          <a:xfrm>
-            <a:off x="429768" y="1721922"/>
-            <a:ext cx="6704891" cy="4520559"/>
-          </a:xfrm>
-          <a:prstGeom prst="rect">
-            <a:avLst/>
-          </a:prstGeom>
-        </p:spPr>
-      </p:pic>
       <p:sp useBgFill="1">
         <p:nvSpPr>
           <p:cNvPr id="14" name="Rectangle 13">
@@ -11593,6 +12093,36 @@
           </a:p>
         </p:txBody>
       </p:sp>
+      <p:pic>
+        <p:nvPicPr>
+          <p:cNvPr id="11" name="Picture 10">
+            <a:extLst>
+              <a:ext uri="{FF2B5EF4-FFF2-40B4-BE49-F238E27FC236}">
+                <a16:creationId xmlns:a16="http://schemas.microsoft.com/office/drawing/2014/main" id="{E0765269-A956-477D-8738-BE32D8A83985}"/>
+              </a:ext>
+            </a:extLst>
+          </p:cNvPr>
+          <p:cNvPicPr>
+            <a:picLocks noChangeAspect="1"/>
+          </p:cNvPicPr>
+          <p:nvPr/>
+        </p:nvPicPr>
+        <p:blipFill>
+          <a:blip r:embed="rId3"/>
+          <a:stretch>
+            <a:fillRect/>
+          </a:stretch>
+        </p:blipFill>
+        <p:spPr>
+          <a:xfrm>
+            <a:off x="522068" y="1730411"/>
+            <a:ext cx="6653349" cy="4540178"/>
+          </a:xfrm>
+          <a:prstGeom prst="rect">
+            <a:avLst/>
+          </a:prstGeom>
+        </p:spPr>
+      </p:pic>
     </p:spTree>
     <p:extLst>
       <p:ext uri="{BB962C8B-B14F-4D97-AF65-F5344CB8AC3E}">
@@ -12082,6 +12612,130 @@
 </file>
 
 <file path=ppt/slides/slide6.xml><?xml version="1.0" encoding="utf-8"?>
+<p:sld xmlns:a="http://schemas.openxmlformats.org/drawingml/2006/main" xmlns:r="http://schemas.openxmlformats.org/officeDocument/2006/relationships" xmlns:p="http://schemas.openxmlformats.org/presentationml/2006/main">
+  <p:cSld>
+    <p:bg>
+      <p:bgPr>
+        <a:solidFill>
+          <a:schemeClr val="bg1"/>
+        </a:solidFill>
+        <a:effectLst/>
+      </p:bgPr>
+    </p:bg>
+    <p:spTree>
+      <p:nvGrpSpPr>
+        <p:cNvPr id="1" name=""/>
+        <p:cNvGrpSpPr/>
+        <p:nvPr/>
+      </p:nvGrpSpPr>
+      <p:grpSpPr>
+        <a:xfrm>
+          <a:off x="0" y="0"/>
+          <a:ext cx="0" cy="0"/>
+          <a:chOff x="0" y="0"/>
+          <a:chExt cx="0" cy="0"/>
+        </a:xfrm>
+      </p:grpSpPr>
+      <p:sp>
+        <p:nvSpPr>
+          <p:cNvPr id="2" name="Title 1">
+            <a:extLst>
+              <a:ext uri="{FF2B5EF4-FFF2-40B4-BE49-F238E27FC236}">
+                <a16:creationId xmlns:a16="http://schemas.microsoft.com/office/drawing/2014/main" id="{A81112AD-A89B-416B-A147-5AB354BAEC95}"/>
+              </a:ext>
+            </a:extLst>
+          </p:cNvPr>
+          <p:cNvSpPr>
+            <a:spLocks noGrp="1"/>
+          </p:cNvSpPr>
+          <p:nvPr>
+            <p:ph type="title"/>
+          </p:nvPr>
+        </p:nvSpPr>
+        <p:spPr>
+          <a:xfrm>
+            <a:off x="1115568" y="548640"/>
+            <a:ext cx="10168128" cy="1179576"/>
+          </a:xfrm>
+        </p:spPr>
+        <p:txBody>
+          <a:bodyPr>
+            <a:normAutofit/>
+          </a:bodyPr>
+          <a:lstStyle/>
+          <a:p>
+            <a:r>
+              <a:rPr lang="en-GB" sz="4000" dirty="0"/>
+              <a:t>Demo</a:t>
+            </a:r>
+          </a:p>
+        </p:txBody>
+      </p:sp>
+      <p:sp>
+        <p:nvSpPr>
+          <p:cNvPr id="6" name="Content Placeholder 5">
+            <a:extLst>
+              <a:ext uri="{FF2B5EF4-FFF2-40B4-BE49-F238E27FC236}">
+                <a16:creationId xmlns:a16="http://schemas.microsoft.com/office/drawing/2014/main" id="{C38F0B46-1652-456A-BD94-305A0F26E85C}"/>
+              </a:ext>
+            </a:extLst>
+          </p:cNvPr>
+          <p:cNvSpPr txBox="1">
+            <a:spLocks noGrp="1"/>
+          </p:cNvSpPr>
+          <p:nvPr>
+            <p:ph idx="1"/>
+          </p:nvPr>
+        </p:nvSpPr>
+        <p:spPr>
+          <a:xfrm>
+            <a:off x="1057963" y="4571429"/>
+            <a:ext cx="10167937" cy="535531"/>
+          </a:xfrm>
+          <a:prstGeom prst="rect">
+            <a:avLst/>
+          </a:prstGeom>
+          <a:noFill/>
+        </p:spPr>
+        <p:txBody>
+          <a:bodyPr wrap="square" rtlCol="0">
+            <a:spAutoFit/>
+          </a:bodyPr>
+          <a:lstStyle/>
+          <a:p>
+            <a:pPr marL="0" indent="0" algn="ctr">
+              <a:buNone/>
+            </a:pPr>
+            <a:r>
+              <a:rPr lang="en-GB" sz="3200" dirty="0" err="1">
+                <a:hlinkClick r:id="rId2"/>
+              </a:rPr>
+              <a:t>fortunkam</a:t>
+            </a:r>
+            <a:r>
+              <a:rPr lang="en-GB" sz="3200" dirty="0">
+                <a:hlinkClick r:id="rId2"/>
+              </a:rPr>
+              <a:t>/terraform-101 (github.com)</a:t>
+            </a:r>
+            <a:endParaRPr lang="en-GB" sz="3200" dirty="0"/>
+          </a:p>
+        </p:txBody>
+      </p:sp>
+    </p:spTree>
+    <p:extLst>
+      <p:ext uri="{BB962C8B-B14F-4D97-AF65-F5344CB8AC3E}">
+        <p14:creationId xmlns:p14="http://schemas.microsoft.com/office/powerpoint/2010/main" val="1858229728"/>
+      </p:ext>
+    </p:extLst>
+  </p:cSld>
+  <p:clrMapOvr>
+    <a:masterClrMapping/>
+  </p:clrMapOvr>
+</p:sld>
+</file>
+
+<file path=ppt/slides/slide7.xml><?xml version="1.0" encoding="utf-8"?>
 <p:sld xmlns:a="http://schemas.openxmlformats.org/drawingml/2006/main" xmlns:r="http://schemas.openxmlformats.org/officeDocument/2006/relationships" xmlns:p="http://schemas.openxmlformats.org/presentationml/2006/main">
   <p:cSld>
     <p:spTree>
@@ -12230,7 +12884,7 @@
 </p:sld>
 </file>
 
-<file path=ppt/slides/slide7.xml><?xml version="1.0" encoding="utf-8"?>
+<file path=ppt/slides/slide8.xml><?xml version="1.0" encoding="utf-8"?>
 <p:sld xmlns:a="http://schemas.openxmlformats.org/drawingml/2006/main" xmlns:r="http://schemas.openxmlformats.org/officeDocument/2006/relationships" xmlns:p="http://schemas.openxmlformats.org/presentationml/2006/main">
   <p:cSld>
     <p:bg>
@@ -12609,14 +13263,14 @@
       </p:sp>
       <p:sp>
         <p:nvSpPr>
-          <p:cNvPr id="3" name="Content Placeholder 2">
+          <p:cNvPr id="6" name="Content Placeholder 5">
             <a:extLst>
               <a:ext uri="{FF2B5EF4-FFF2-40B4-BE49-F238E27FC236}">
-                <a16:creationId xmlns:a16="http://schemas.microsoft.com/office/drawing/2014/main" id="{D3A9A567-9400-4C1D-A89E-4D7FD09CD14D}"/>
+                <a16:creationId xmlns:a16="http://schemas.microsoft.com/office/drawing/2014/main" id="{C38F0B46-1652-456A-BD94-305A0F26E85C}"/>
               </a:ext>
             </a:extLst>
           </p:cNvPr>
-          <p:cNvSpPr>
+          <p:cNvSpPr txBox="1">
             <a:spLocks noGrp="1"/>
           </p:cNvSpPr>
           <p:nvPr>
@@ -12625,17 +13279,36 @@
         </p:nvSpPr>
         <p:spPr>
           <a:xfrm>
-            <a:off x="1115568" y="2481943"/>
-            <a:ext cx="10168128" cy="3695020"/>
+            <a:off x="1057963" y="4571429"/>
+            <a:ext cx="10167937" cy="535531"/>
           </a:xfrm>
+          <a:prstGeom prst="rect">
+            <a:avLst/>
+          </a:prstGeom>
+          <a:noFill/>
         </p:spPr>
         <p:txBody>
-          <a:bodyPr>
-            <a:normAutofit/>
+          <a:bodyPr wrap="square" rtlCol="0">
+            <a:spAutoFit/>
           </a:bodyPr>
           <a:lstStyle/>
           <a:p>
-            <a:endParaRPr lang="en-GB" sz="2200"/>
+            <a:pPr marL="0" indent="0" algn="ctr">
+              <a:buNone/>
+            </a:pPr>
+            <a:r>
+              <a:rPr lang="en-GB" sz="3200" dirty="0" err="1">
+                <a:hlinkClick r:id="rId2"/>
+              </a:rPr>
+              <a:t>fortunkam</a:t>
+            </a:r>
+            <a:r>
+              <a:rPr lang="en-GB" sz="3200" dirty="0">
+                <a:hlinkClick r:id="rId2"/>
+              </a:rPr>
+              <a:t>/terraform-101 (github.com)</a:t>
+            </a:r>
+            <a:endParaRPr lang="en-GB" sz="3200" dirty="0"/>
           </a:p>
         </p:txBody>
       </p:sp>
@@ -12643,105 +13316,6 @@
     <p:extLst>
       <p:ext uri="{BB962C8B-B14F-4D97-AF65-F5344CB8AC3E}">
         <p14:creationId xmlns:p14="http://schemas.microsoft.com/office/powerpoint/2010/main" val="752081321"/>
-      </p:ext>
-    </p:extLst>
-  </p:cSld>
-  <p:clrMapOvr>
-    <a:masterClrMapping/>
-  </p:clrMapOvr>
-</p:sld>
-</file>
-
-<file path=ppt/slides/slide8.xml><?xml version="1.0" encoding="utf-8"?>
-<p:sld xmlns:a="http://schemas.openxmlformats.org/drawingml/2006/main" xmlns:r="http://schemas.openxmlformats.org/officeDocument/2006/relationships" xmlns:p="http://schemas.openxmlformats.org/presentationml/2006/main">
-  <p:cSld>
-    <p:bg>
-      <p:bgPr>
-        <a:solidFill>
-          <a:schemeClr val="bg1"/>
-        </a:solidFill>
-        <a:effectLst/>
-      </p:bgPr>
-    </p:bg>
-    <p:spTree>
-      <p:nvGrpSpPr>
-        <p:cNvPr id="1" name=""/>
-        <p:cNvGrpSpPr/>
-        <p:nvPr/>
-      </p:nvGrpSpPr>
-      <p:grpSpPr>
-        <a:xfrm>
-          <a:off x="0" y="0"/>
-          <a:ext cx="0" cy="0"/>
-          <a:chOff x="0" y="0"/>
-          <a:chExt cx="0" cy="0"/>
-        </a:xfrm>
-      </p:grpSpPr>
-      <p:sp>
-        <p:nvSpPr>
-          <p:cNvPr id="2" name="Title 1">
-            <a:extLst>
-              <a:ext uri="{FF2B5EF4-FFF2-40B4-BE49-F238E27FC236}">
-                <a16:creationId xmlns:a16="http://schemas.microsoft.com/office/drawing/2014/main" id="{A81112AD-A89B-416B-A147-5AB354BAEC95}"/>
-              </a:ext>
-            </a:extLst>
-          </p:cNvPr>
-          <p:cNvSpPr>
-            <a:spLocks noGrp="1"/>
-          </p:cNvSpPr>
-          <p:nvPr>
-            <p:ph type="title"/>
-          </p:nvPr>
-        </p:nvSpPr>
-        <p:spPr>
-          <a:xfrm>
-            <a:off x="1115568" y="548640"/>
-            <a:ext cx="10168128" cy="1179576"/>
-          </a:xfrm>
-        </p:spPr>
-        <p:txBody>
-          <a:bodyPr>
-            <a:normAutofit/>
-          </a:bodyPr>
-          <a:lstStyle/>
-          <a:p>
-            <a:r>
-              <a:rPr lang="en-GB" sz="4000" dirty="0"/>
-              <a:t>Demo - recap</a:t>
-            </a:r>
-          </a:p>
-        </p:txBody>
-      </p:sp>
-      <p:graphicFrame>
-        <p:nvGraphicFramePr>
-          <p:cNvPr id="5" name="Content Placeholder 2">
-            <a:extLst>
-              <a:ext uri="{FF2B5EF4-FFF2-40B4-BE49-F238E27FC236}">
-                <a16:creationId xmlns:a16="http://schemas.microsoft.com/office/drawing/2014/main" id="{BFC1D2FA-6036-400C-99D2-77D2BD44B7E8}"/>
-              </a:ext>
-            </a:extLst>
-          </p:cNvPr>
-          <p:cNvGraphicFramePr>
-            <a:graphicFrameLocks noGrp="1"/>
-          </p:cNvGraphicFramePr>
-          <p:nvPr>
-            <p:ph idx="1"/>
-          </p:nvPr>
-        </p:nvGraphicFramePr>
-        <p:xfrm>
-          <a:off x="1115568" y="1805748"/>
-          <a:ext cx="10168128" cy="4371215"/>
-        </p:xfrm>
-        <a:graphic>
-          <a:graphicData uri="http://schemas.openxmlformats.org/drawingml/2006/diagram">
-            <dgm:relIds xmlns:dgm="http://schemas.openxmlformats.org/drawingml/2006/diagram" xmlns:r="http://schemas.openxmlformats.org/officeDocument/2006/relationships" r:dm="rId3" r:lo="rId4" r:qs="rId5" r:cs="rId6"/>
-          </a:graphicData>
-        </a:graphic>
-      </p:graphicFrame>
-    </p:spTree>
-    <p:extLst>
-      <p:ext uri="{BB962C8B-B14F-4D97-AF65-F5344CB8AC3E}">
-        <p14:creationId xmlns:p14="http://schemas.microsoft.com/office/powerpoint/2010/main" val="1164756066"/>
       </p:ext>
     </p:extLst>
   </p:cSld>
@@ -12776,379 +13350,76 @@
           <a:chExt cx="0" cy="0"/>
         </a:xfrm>
       </p:grpSpPr>
-      <p:sp useBgFill="1">
-        <p:nvSpPr>
-          <p:cNvPr id="71" name="Rectangle 70">
+      <p:sp>
+        <p:nvSpPr>
+          <p:cNvPr id="2" name="Title 1">
             <a:extLst>
               <a:ext uri="{FF2B5EF4-FFF2-40B4-BE49-F238E27FC236}">
-                <a16:creationId xmlns:a16="http://schemas.microsoft.com/office/drawing/2014/main" id="{F94AA2BD-2E3F-4B1D-8127-5744B8115311}"/>
-              </a:ext>
-              <a:ext uri="{C183D7F6-B498-43B3-948B-1728B52AA6E4}">
-                <adec:decorative xmlns:adec="http://schemas.microsoft.com/office/drawing/2017/decorative" val="1"/>
+                <a16:creationId xmlns:a16="http://schemas.microsoft.com/office/drawing/2014/main" id="{A81112AD-A89B-416B-A147-5AB354BAEC95}"/>
               </a:ext>
             </a:extLst>
           </p:cNvPr>
           <p:cNvSpPr>
-            <a:spLocks noGrp="1" noRot="1" noChangeAspect="1" noMove="1" noResize="1" noEditPoints="1" noAdjustHandles="1" noChangeArrowheads="1" noChangeShapeType="1" noTextEdit="1"/>
-          </p:cNvSpPr>
-          <p:nvPr>
-            <p:extLst>
-              <p:ext uri="{386F3935-93C4-4BCD-93E2-E3B085C9AB24}">
-                <p16:designElem xmlns:p16="http://schemas.microsoft.com/office/powerpoint/2015/main" val="1"/>
-              </p:ext>
-            </p:extLst>
+            <a:spLocks noGrp="1"/>
+          </p:cNvSpPr>
+          <p:nvPr>
+            <p:ph type="title"/>
           </p:nvPr>
         </p:nvSpPr>
         <p:spPr>
           <a:xfrm>
-            <a:off x="0" y="0"/>
-            <a:ext cx="12192000" cy="6858000"/>
+            <a:off x="1115568" y="548640"/>
+            <a:ext cx="10168128" cy="1179576"/>
           </a:xfrm>
-          <a:prstGeom prst="rect">
-            <a:avLst/>
-          </a:prstGeom>
-          <a:ln>
-            <a:noFill/>
-          </a:ln>
         </p:spPr>
-        <p:style>
-          <a:lnRef idx="2">
-            <a:schemeClr val="accent1">
-              <a:shade val="50000"/>
-            </a:schemeClr>
-          </a:lnRef>
-          <a:fillRef idx="1">
-            <a:schemeClr val="accent1"/>
-          </a:fillRef>
-          <a:effectRef idx="0">
-            <a:schemeClr val="accent1"/>
-          </a:effectRef>
-          <a:fontRef idx="minor">
-            <a:schemeClr val="lt1"/>
-          </a:fontRef>
-        </p:style>
-        <p:txBody>
-          <a:bodyPr rtlCol="0" anchor="ctr"/>
+        <p:txBody>
+          <a:bodyPr>
+            <a:normAutofit/>
+          </a:bodyPr>
           <a:lstStyle/>
           <a:p>
-            <a:pPr algn="ctr"/>
-            <a:endParaRPr lang="en-US"/>
-          </a:p>
-        </p:txBody>
-      </p:sp>
-      <p:sp>
-        <p:nvSpPr>
-          <p:cNvPr id="2" name="Title 1">
+            <a:r>
+              <a:rPr lang="en-GB" sz="4000" dirty="0"/>
+              <a:t>Demo - recap</a:t>
+            </a:r>
+          </a:p>
+        </p:txBody>
+      </p:sp>
+      <p:graphicFrame>
+        <p:nvGraphicFramePr>
+          <p:cNvPr id="5" name="Content Placeholder 2">
             <a:extLst>
               <a:ext uri="{FF2B5EF4-FFF2-40B4-BE49-F238E27FC236}">
-                <a16:creationId xmlns:a16="http://schemas.microsoft.com/office/drawing/2014/main" id="{F4F08EA4-C4A2-4E72-B3CF-2C879A80C4CA}"/>
+                <a16:creationId xmlns:a16="http://schemas.microsoft.com/office/drawing/2014/main" id="{BFC1D2FA-6036-400C-99D2-77D2BD44B7E8}"/>
               </a:ext>
             </a:extLst>
           </p:cNvPr>
-          <p:cNvSpPr>
-            <a:spLocks noGrp="1"/>
-          </p:cNvSpPr>
-          <p:nvPr>
-            <p:ph type="title"/>
-          </p:nvPr>
-        </p:nvSpPr>
-        <p:spPr>
-          <a:xfrm>
-            <a:off x="411480" y="987552"/>
-            <a:ext cx="4485861" cy="1088136"/>
-          </a:xfrm>
-        </p:spPr>
-        <p:txBody>
-          <a:bodyPr anchor="b">
-            <a:normAutofit/>
-          </a:bodyPr>
-          <a:lstStyle/>
-          <a:p>
-            <a:r>
-              <a:rPr lang="en-GB" sz="3400"/>
-              <a:t>Bicep (Preview)</a:t>
-            </a:r>
-          </a:p>
-        </p:txBody>
-      </p:sp>
-      <p:sp>
-        <p:nvSpPr>
-          <p:cNvPr id="73" name="Rectangle 72">
-            <a:extLst>
-              <a:ext uri="{FF2B5EF4-FFF2-40B4-BE49-F238E27FC236}">
-                <a16:creationId xmlns:a16="http://schemas.microsoft.com/office/drawing/2014/main" id="{4BD02261-2DC8-4AA8-9E16-7751AE892445}"/>
-              </a:ext>
-              <a:ext uri="{C183D7F6-B498-43B3-948B-1728B52AA6E4}">
-                <adec:decorative xmlns:adec="http://schemas.microsoft.com/office/drawing/2017/decorative" val="1"/>
-              </a:ext>
-            </a:extLst>
-          </p:cNvPr>
-          <p:cNvSpPr>
-            <a:spLocks noGrp="1" noRot="1" noChangeAspect="1" noMove="1" noResize="1" noEditPoints="1" noAdjustHandles="1" noChangeArrowheads="1" noChangeShapeType="1" noTextEdit="1"/>
-          </p:cNvSpPr>
-          <p:nvPr>
+          <p:cNvGraphicFramePr>
+            <a:graphicFrameLocks noGrp="1"/>
+          </p:cNvGraphicFramePr>
+          <p:nvPr>
+            <p:ph idx="1"/>
             <p:extLst>
-              <p:ext uri="{386F3935-93C4-4BCD-93E2-E3B085C9AB24}">
-                <p16:designElem xmlns:p16="http://schemas.microsoft.com/office/powerpoint/2015/main" val="1"/>
+              <p:ext uri="{D42A27DB-BD31-4B8C-83A1-F6EECF244321}">
+                <p14:modId xmlns:p14="http://schemas.microsoft.com/office/powerpoint/2010/main" val="204494498"/>
               </p:ext>
             </p:extLst>
           </p:nvPr>
-        </p:nvSpPr>
-        <p:spPr>
-          <a:xfrm rot="5400000">
-            <a:off x="649223" y="387939"/>
-            <a:ext cx="73152" cy="548640"/>
-          </a:xfrm>
-          <a:prstGeom prst="rect">
-            <a:avLst/>
-          </a:prstGeom>
-          <a:solidFill>
-            <a:schemeClr val="accent2"/>
-          </a:solidFill>
-          <a:ln>
-            <a:noFill/>
-          </a:ln>
-        </p:spPr>
-        <p:style>
-          <a:lnRef idx="2">
-            <a:schemeClr val="accent1">
-              <a:shade val="50000"/>
-            </a:schemeClr>
-          </a:lnRef>
-          <a:fillRef idx="1">
-            <a:schemeClr val="accent1"/>
-          </a:fillRef>
-          <a:effectRef idx="0">
-            <a:schemeClr val="accent1"/>
-          </a:effectRef>
-          <a:fontRef idx="minor">
-            <a:schemeClr val="lt1"/>
-          </a:fontRef>
-        </p:style>
-        <p:txBody>
-          <a:bodyPr rtlCol="0" anchor="ctr"/>
-          <a:lstStyle/>
-          <a:p>
-            <a:pPr algn="ctr"/>
-            <a:endParaRPr lang="en-US">
-              <a:solidFill>
-                <a:prstClr val="white"/>
-              </a:solidFill>
-              <a:latin typeface="Calibri" panose="020F0502020204030204"/>
-            </a:endParaRPr>
-          </a:p>
-        </p:txBody>
-      </p:sp>
-      <p:sp>
-        <p:nvSpPr>
-          <p:cNvPr id="75" name="Rectangle 74">
-            <a:extLst>
-              <a:ext uri="{FF2B5EF4-FFF2-40B4-BE49-F238E27FC236}">
-                <a16:creationId xmlns:a16="http://schemas.microsoft.com/office/drawing/2014/main" id="{3D752CF2-2291-40B5-B462-C17B174C10BC}"/>
-              </a:ext>
-              <a:ext uri="{C183D7F6-B498-43B3-948B-1728B52AA6E4}">
-                <adec:decorative xmlns:adec="http://schemas.microsoft.com/office/drawing/2017/decorative" val="1"/>
-              </a:ext>
-            </a:extLst>
-          </p:cNvPr>
-          <p:cNvSpPr>
-            <a:spLocks noGrp="1" noRot="1" noChangeAspect="1" noMove="1" noResize="1" noEditPoints="1" noAdjustHandles="1" noChangeArrowheads="1" noChangeShapeType="1" noTextEdit="1"/>
-          </p:cNvSpPr>
-          <p:nvPr>
-            <p:extLst>
-              <p:ext uri="{386F3935-93C4-4BCD-93E2-E3B085C9AB24}">
-                <p16:designElem xmlns:p16="http://schemas.microsoft.com/office/powerpoint/2015/main" val="1"/>
-              </p:ext>
-            </p:extLst>
-          </p:nvPr>
-        </p:nvSpPr>
-        <p:spPr>
-          <a:xfrm>
-            <a:off x="411480" y="2286000"/>
-            <a:ext cx="4389120" cy="18288"/>
-          </a:xfrm>
-          <a:prstGeom prst="rect">
-            <a:avLst/>
-          </a:prstGeom>
-          <a:solidFill>
-            <a:srgbClr val="D5D5D5"/>
-          </a:solidFill>
-          <a:ln w="3175">
-            <a:noFill/>
-          </a:ln>
-          <a:effectLst/>
-        </p:spPr>
-        <p:style>
-          <a:lnRef idx="2">
-            <a:schemeClr val="accent1">
-              <a:shade val="50000"/>
-            </a:schemeClr>
-          </a:lnRef>
-          <a:fillRef idx="1">
-            <a:schemeClr val="accent1"/>
-          </a:fillRef>
-          <a:effectRef idx="0">
-            <a:schemeClr val="accent1"/>
-          </a:effectRef>
-          <a:fontRef idx="minor">
-            <a:schemeClr val="lt1"/>
-          </a:fontRef>
-        </p:style>
-        <p:txBody>
-          <a:bodyPr rtlCol="0" anchor="ctr"/>
-          <a:lstStyle/>
-          <a:p>
-            <a:pPr algn="ctr"/>
-            <a:endParaRPr lang="en-US">
-              <a:solidFill>
-                <a:prstClr val="white"/>
-              </a:solidFill>
-              <a:latin typeface="Calibri" panose="020F0502020204030204"/>
-            </a:endParaRPr>
-          </a:p>
-        </p:txBody>
-      </p:sp>
-      <p:sp>
-        <p:nvSpPr>
-          <p:cNvPr id="3" name="Content Placeholder 2">
-            <a:extLst>
-              <a:ext uri="{FF2B5EF4-FFF2-40B4-BE49-F238E27FC236}">
-                <a16:creationId xmlns:a16="http://schemas.microsoft.com/office/drawing/2014/main" id="{03512C9D-259D-44FF-BA1A-6D869A5B3248}"/>
-              </a:ext>
-            </a:extLst>
-          </p:cNvPr>
-          <p:cNvSpPr>
-            <a:spLocks noGrp="1"/>
-          </p:cNvSpPr>
-          <p:nvPr>
-            <p:ph idx="1"/>
-          </p:nvPr>
-        </p:nvSpPr>
-        <p:spPr>
-          <a:xfrm>
-            <a:off x="411479" y="2688336"/>
-            <a:ext cx="4498848" cy="3584448"/>
-          </a:xfrm>
-        </p:spPr>
-        <p:txBody>
-          <a:bodyPr anchor="t">
-            <a:normAutofit/>
-          </a:bodyPr>
-          <a:lstStyle/>
-          <a:p>
-            <a:r>
-              <a:rPr lang="en-GB" dirty="0"/>
-              <a:t>“Compile” to ARM template</a:t>
-            </a:r>
-          </a:p>
-          <a:p>
-            <a:r>
-              <a:rPr lang="en-GB" dirty="0"/>
-              <a:t>Dependency Inference </a:t>
-            </a:r>
-          </a:p>
-          <a:p>
-            <a:r>
-              <a:rPr lang="en-GB" dirty="0"/>
-              <a:t>String Interpolation</a:t>
-            </a:r>
-          </a:p>
-          <a:p>
-            <a:endParaRPr lang="en-GB" sz="1800" dirty="0"/>
-          </a:p>
-        </p:txBody>
-      </p:sp>
-      <p:pic>
-        <p:nvPicPr>
-          <p:cNvPr id="2050" name="Picture 2">
-            <a:extLst>
-              <a:ext uri="{FF2B5EF4-FFF2-40B4-BE49-F238E27FC236}">
-                <a16:creationId xmlns:a16="http://schemas.microsoft.com/office/drawing/2014/main" id="{6DEC22DD-5EBC-4D97-B593-9590E60DB09B}"/>
-              </a:ext>
-            </a:extLst>
-          </p:cNvPr>
-          <p:cNvPicPr>
-            <a:picLocks noChangeAspect="1" noChangeArrowheads="1"/>
-          </p:cNvPicPr>
-          <p:nvPr/>
-        </p:nvPicPr>
-        <p:blipFill rotWithShape="1">
-          <a:blip r:embed="rId2">
-            <a:extLst>
-              <a:ext uri="{28A0092B-C50C-407E-A947-70E740481C1C}">
-                <a14:useLocalDpi xmlns:a14="http://schemas.microsoft.com/office/drawing/2010/main" val="0"/>
-              </a:ext>
-            </a:extLst>
-          </a:blip>
-          <a:srcRect t="377" r="-2" b="-2"/>
-          <a:stretch/>
-        </p:blipFill>
-        <p:spPr bwMode="auto">
-          <a:xfrm>
-            <a:off x="7113955" y="1062456"/>
-            <a:ext cx="4485862" cy="4468947"/>
-          </a:xfrm>
-          <a:custGeom>
-            <a:avLst/>
-            <a:gdLst/>
-            <a:ahLst/>
-            <a:cxnLst/>
-            <a:rect l="l" t="t" r="r" b="b"/>
-            <a:pathLst>
-              <a:path w="6883948" h="6858000">
-                <a:moveTo>
-                  <a:pt x="365648" y="0"/>
-                </a:moveTo>
-                <a:lnTo>
-                  <a:pt x="6883948" y="0"/>
-                </a:lnTo>
-                <a:lnTo>
-                  <a:pt x="6883948" y="6858000"/>
-                </a:lnTo>
-                <a:lnTo>
-                  <a:pt x="365648" y="6858000"/>
-                </a:lnTo>
-                <a:lnTo>
-                  <a:pt x="360213" y="6835050"/>
-                </a:lnTo>
-                <a:cubicBezTo>
-                  <a:pt x="128263" y="5788167"/>
-                  <a:pt x="0" y="4637179"/>
-                  <a:pt x="0" y="3429001"/>
-                </a:cubicBezTo>
-                <a:cubicBezTo>
-                  <a:pt x="0" y="2220824"/>
-                  <a:pt x="128263" y="1069835"/>
-                  <a:pt x="360213" y="22952"/>
-                </a:cubicBezTo>
-                <a:close/>
-              </a:path>
-            </a:pathLst>
-          </a:custGeom>
-          <a:noFill/>
-          <a:effectLst>
-            <a:outerShdw blurRad="50800" dist="38100" dir="10800000" algn="r" rotWithShape="0">
-              <a:schemeClr val="bg1">
-                <a:lumMod val="85000"/>
-                <a:alpha val="30000"/>
-              </a:schemeClr>
-            </a:outerShdw>
-          </a:effectLst>
-          <a:extLst>
-            <a:ext uri="{909E8E84-426E-40DD-AFC4-6F175D3DCCD1}">
-              <a14:hiddenFill xmlns:a14="http://schemas.microsoft.com/office/drawing/2010/main">
-                <a:solidFill>
-                  <a:srgbClr val="FFFFFF"/>
-                </a:solidFill>
-              </a14:hiddenFill>
-            </a:ext>
-          </a:extLst>
-        </p:spPr>
-      </p:pic>
+        </p:nvGraphicFramePr>
+        <p:xfrm>
+          <a:off x="1115568" y="1805748"/>
+          <a:ext cx="10168128" cy="4371215"/>
+        </p:xfrm>
+        <a:graphic>
+          <a:graphicData uri="http://schemas.openxmlformats.org/drawingml/2006/diagram">
+            <dgm:relIds xmlns:dgm="http://schemas.openxmlformats.org/drawingml/2006/diagram" xmlns:r="http://schemas.openxmlformats.org/officeDocument/2006/relationships" r:dm="rId3" r:lo="rId4" r:qs="rId5" r:cs="rId6"/>
+          </a:graphicData>
+        </a:graphic>
+      </p:graphicFrame>
     </p:spTree>
     <p:extLst>
       <p:ext uri="{BB962C8B-B14F-4D97-AF65-F5344CB8AC3E}">
-        <p14:creationId xmlns:p14="http://schemas.microsoft.com/office/powerpoint/2010/main" val="3921084054"/>
+        <p14:creationId xmlns:p14="http://schemas.microsoft.com/office/powerpoint/2010/main" val="1164756066"/>
       </p:ext>
     </p:extLst>
   </p:cSld>
